--- a/Презентация.pptx
+++ b/Презентация.pptx
@@ -110,6 +110,11 @@
       </a:defRPr>
     </a:lvl9pPr>
   </p:defaultTextStyle>
+  <p:extLst>
+    <p:ext uri="{EFAFB233-063F-42B5-8137-9DF3F51BA10A}">
+      <p15:sldGuideLst xmlns:p15="http://schemas.microsoft.com/office/powerpoint/2012/main"/>
+    </p:ext>
+  </p:extLst>
 </p:presentation>
 </file>
 
@@ -6424,7 +6429,7 @@
               </a:spcAft>
             </a:pPr>
             <a:r>
-              <a:rPr lang="ru-RU" sz="1600">
+              <a:rPr lang="ru-RU" sz="1600" dirty="0">
                 <a:solidFill>
                   <a:schemeClr val="bg1"/>
                 </a:solidFill>
@@ -6433,9 +6438,21 @@
                 <a:ea typeface="Calibri" panose="020F0502020204030204" pitchFamily="34" charset="0"/>
                 <a:cs typeface="Times New Roman" panose="02020603050405020304" pitchFamily="18" charset="0"/>
               </a:rPr>
-              <a:t>Слой ДБ</a:t>
-            </a:r>
-            <a:endParaRPr lang="ru-RU" sz="1100">
+              <a:t>Слой </a:t>
+            </a:r>
+            <a:r>
+              <a:rPr lang="ru-RU" sz="1600" dirty="0" smtClean="0">
+                <a:solidFill>
+                  <a:schemeClr val="bg1"/>
+                </a:solidFill>
+                <a:effectLst/>
+                <a:latin typeface="Times New Roman" panose="02020603050405020304" pitchFamily="18" charset="0"/>
+                <a:ea typeface="Calibri" panose="020F0502020204030204" pitchFamily="34" charset="0"/>
+                <a:cs typeface="Times New Roman" panose="02020603050405020304" pitchFamily="18" charset="0"/>
+              </a:rPr>
+              <a:t>БД</a:t>
+            </a:r>
+            <a:endParaRPr lang="ru-RU" sz="1100" dirty="0">
               <a:solidFill>
                 <a:schemeClr val="bg1"/>
               </a:solidFill>
@@ -6826,7 +6843,7 @@
                 <a:ea typeface="Calibri" panose="020F0502020204030204" pitchFamily="34" charset="0"/>
                 <a:cs typeface="Times New Roman" panose="02020603050405020304" pitchFamily="18" charset="0"/>
               </a:rPr>
-              <a:t>ДБ</a:t>
+              <a:t>БД</a:t>
             </a:r>
             <a:endParaRPr lang="ru-RU" sz="1100" dirty="0">
               <a:solidFill>
@@ -6893,7 +6910,11 @@
           <a:p>
             <a:r>
               <a:rPr lang="ru-RU" dirty="0" smtClean="0"/>
-              <a:t>Архитектура ДБ</a:t>
+              <a:t>Архитектура </a:t>
+            </a:r>
+            <a:r>
+              <a:rPr lang="ru-RU" dirty="0" smtClean="0"/>
+              <a:t>БД</a:t>
             </a:r>
             <a:endParaRPr lang="ru-RU" dirty="0"/>
           </a:p>
